--- a/PPT FWD TNSDC 2025.pptx
+++ b/PPT FWD TNSDC 2025.pptx
@@ -18,9 +18,9 @@
     <p:sldId id="264" r:id="rId10"/>
     <p:sldId id="265" r:id="rId11"/>
     <p:sldId id="266" r:id="rId12"/>
-    <p:sldId id="268" r:id="rId13"/>
-    <p:sldId id="269" r:id="rId14"/>
-    <p:sldId id="270" r:id="rId15"/>
+    <p:sldId id="267" r:id="rId13"/>
+    <p:sldId id="268" r:id="rId14"/>
+    <p:sldId id="269" r:id="rId15"/>
   </p:sldIdLst>
   <p:sldSz type="screen16x9" cy="6858000" cx="12192000"/>
   <p:notesSz cx="12192000" cy="6858000"/>
@@ -458,7 +458,7 @@
   <p:cSld>
     <p:spTree>
       <p:nvGrpSpPr>
-        <p:cNvPr id="22" name=""/>
+        <p:cNvPr id="32" name=""/>
         <p:cNvGrpSpPr/>
         <p:nvPr/>
       </p:nvGrpSpPr>
@@ -472,7 +472,7 @@
       </p:grpSpPr>
       <p:sp>
         <p:nvSpPr>
-          <p:cNvPr id="1048603" name="Slide Image Placeholder 1"/>
+          <p:cNvPr id="1048641" name="Slide Image Placeholder 1"/>
           <p:cNvSpPr>
             <a:spLocks noChangeAspect="1" noRot="1" noGrp="1"/>
           </p:cNvSpPr>
@@ -484,7 +484,7 @@
       </p:sp>
       <p:sp>
         <p:nvSpPr>
-          <p:cNvPr id="1048604" name="Notes Placeholder 2"/>
+          <p:cNvPr id="1048642" name="Notes Placeholder 2"/>
           <p:cNvSpPr>
             <a:spLocks noGrp="1"/>
           </p:cNvSpPr>
@@ -502,7 +502,7 @@
       </p:sp>
       <p:sp>
         <p:nvSpPr>
-          <p:cNvPr id="1048605" name="Slide Number Placeholder 3"/>
+          <p:cNvPr id="1048643" name="Slide Number Placeholder 3"/>
           <p:cNvSpPr>
             <a:spLocks noGrp="1"/>
           </p:cNvSpPr>
@@ -535,7 +535,7 @@
   <p:cSld name="Title Slide">
     <p:spTree>
       <p:nvGrpSpPr>
-        <p:cNvPr id="18" name=""/>
+        <p:cNvPr id="28" name=""/>
         <p:cNvGrpSpPr/>
         <p:nvPr/>
       </p:nvGrpSpPr>
@@ -549,7 +549,7 @@
       </p:grpSpPr>
       <p:sp>
         <p:nvSpPr>
-          <p:cNvPr id="1048591" name="Holder 2"/>
+          <p:cNvPr id="1048629" name="Holder 2"/>
           <p:cNvSpPr>
             <a:spLocks noGrp="1"/>
           </p:cNvSpPr>
@@ -584,7 +584,7 @@
       </p:sp>
       <p:sp>
         <p:nvSpPr>
-          <p:cNvPr id="1048592" name="Holder 3"/>
+          <p:cNvPr id="1048630" name="Holder 3"/>
           <p:cNvSpPr>
             <a:spLocks noGrp="1"/>
           </p:cNvSpPr>
@@ -608,7 +608,7 @@
       </p:sp>
       <p:sp>
         <p:nvSpPr>
-          <p:cNvPr id="1048593" name="Holder 4"/>
+          <p:cNvPr id="1048631" name="Holder 4"/>
           <p:cNvSpPr>
             <a:spLocks noGrp="1"/>
           </p:cNvSpPr>
@@ -635,7 +635,7 @@
       </p:sp>
       <p:sp>
         <p:nvSpPr>
-          <p:cNvPr id="1048594" name="Holder 5"/>
+          <p:cNvPr id="1048632" name="Holder 5"/>
           <p:cNvSpPr>
             <a:spLocks noGrp="1"/>
           </p:cNvSpPr>
@@ -668,7 +668,7 @@
       </p:sp>
       <p:sp>
         <p:nvSpPr>
-          <p:cNvPr id="1048595" name="Holder 6"/>
+          <p:cNvPr id="1048633" name="Holder 6"/>
           <p:cNvSpPr>
             <a:spLocks noGrp="1"/>
           </p:cNvSpPr>
@@ -1105,7 +1105,7 @@
   <p:cSld name="Title Only">
     <p:spTree>
       <p:nvGrpSpPr>
-        <p:cNvPr id="26" name=""/>
+        <p:cNvPr id="18" name=""/>
         <p:cNvGrpSpPr/>
         <p:nvPr/>
       </p:nvGrpSpPr>
@@ -1119,7 +1119,7 @@
       </p:grpSpPr>
       <p:sp>
         <p:nvSpPr>
-          <p:cNvPr id="1048606" name="Holder 2"/>
+          <p:cNvPr id="1048591" name="Holder 2"/>
           <p:cNvSpPr>
             <a:spLocks noGrp="1"/>
           </p:cNvSpPr>
@@ -1151,7 +1151,7 @@
       </p:sp>
       <p:sp>
         <p:nvSpPr>
-          <p:cNvPr id="1048607" name="Holder 3"/>
+          <p:cNvPr id="1048592" name="Holder 3"/>
           <p:cNvSpPr>
             <a:spLocks noGrp="1"/>
           </p:cNvSpPr>
@@ -1178,7 +1178,7 @@
       </p:sp>
       <p:sp>
         <p:nvSpPr>
-          <p:cNvPr id="1048608" name="Holder 4"/>
+          <p:cNvPr id="1048593" name="Holder 4"/>
           <p:cNvSpPr>
             <a:spLocks noGrp="1"/>
           </p:cNvSpPr>
@@ -1211,7 +1211,7 @@
       </p:sp>
       <p:sp>
         <p:nvSpPr>
-          <p:cNvPr id="1048609" name="Holder 5"/>
+          <p:cNvPr id="1048594" name="Holder 5"/>
           <p:cNvSpPr>
             <a:spLocks noGrp="1"/>
           </p:cNvSpPr>
@@ -2193,7 +2193,7 @@
   <p:cSld>
     <p:spTree>
       <p:nvGrpSpPr>
-        <p:cNvPr id="19" name=""/>
+        <p:cNvPr id="29" name=""/>
         <p:cNvGrpSpPr/>
         <p:nvPr/>
       </p:nvGrpSpPr>
@@ -2207,7 +2207,7 @@
       </p:grpSpPr>
       <p:grpSp>
         <p:nvGrpSpPr>
-          <p:cNvPr id="20" name="object 2"/>
+          <p:cNvPr id="30" name="object 2"/>
           <p:cNvGrpSpPr/>
           <p:nvPr/>
         </p:nvGrpSpPr>
@@ -2221,7 +2221,7 @@
         </p:grpSpPr>
         <p:sp>
           <p:nvSpPr>
-            <p:cNvPr id="1048596" name="object 3"/>
+            <p:cNvPr id="1048634" name="object 3"/>
             <p:cNvSpPr/>
             <p:nvPr/>
           </p:nvSpPr>
@@ -2272,7 +2272,7 @@
         </p:sp>
         <p:sp>
           <p:nvSpPr>
-            <p:cNvPr id="1048597" name="object 4"/>
+            <p:cNvPr id="1048635" name="object 4"/>
             <p:cNvSpPr/>
             <p:nvPr/>
           </p:nvSpPr>
@@ -2324,7 +2324,7 @@
       </p:grpSp>
       <p:sp>
         <p:nvSpPr>
-          <p:cNvPr id="1048598" name="object 5"/>
+          <p:cNvPr id="1048636" name="object 5"/>
           <p:cNvSpPr/>
           <p:nvPr/>
         </p:nvSpPr>
@@ -2375,7 +2375,7 @@
       </p:sp>
       <p:sp>
         <p:nvSpPr>
-          <p:cNvPr id="1048599" name="object 6"/>
+          <p:cNvPr id="1048637" name="object 6"/>
           <p:cNvSpPr/>
           <p:nvPr/>
         </p:nvSpPr>
@@ -2426,7 +2426,7 @@
       </p:sp>
       <p:sp>
         <p:nvSpPr>
-          <p:cNvPr id="1048600" name="object 7"/>
+          <p:cNvPr id="1048638" name="object 7"/>
           <p:cNvSpPr txBox="1">
             <a:spLocks noGrp="1"/>
           </p:cNvSpPr>
@@ -2583,7 +2583,7 @@
       </p:sp>
       <p:pic>
         <p:nvPicPr>
-          <p:cNvPr id="2097152" name="object 9"/>
+          <p:cNvPr id="2097157" name="object 9"/>
           <p:cNvPicPr>
             <a:picLocks/>
           </p:cNvPicPr>
@@ -2605,7 +2605,7 @@
       </p:pic>
       <p:sp>
         <p:nvSpPr>
-          <p:cNvPr id="1048601" name="object 11"/>
+          <p:cNvPr id="1048639" name="object 11"/>
           <p:cNvSpPr txBox="1">
             <a:spLocks noGrp="1"/>
           </p:cNvSpPr>
@@ -2643,7 +2643,7 @@
       </p:sp>
       <p:sp>
         <p:nvSpPr>
-          <p:cNvPr id="1048602" name="TextBox 13"/>
+          <p:cNvPr id="1048640" name="TextBox 13"/>
           <p:cNvSpPr txBox="1"/>
           <p:nvPr/>
         </p:nvSpPr>
@@ -2694,6 +2694,58 @@
             <a:r>
               <a:rPr dirty="0" sz="2400" lang="en-US"/>
               <a:t>REGISTER NO AND NMID: </a:t>
+            </a:r>
+            <a:r>
+              <a:rPr dirty="0" sz="2400" lang="en-US"/>
+              <a:t>3</a:t>
+            </a:r>
+            <a:r>
+              <a:rPr dirty="0" sz="2400" lang="en-US"/>
+              <a:t>5</a:t>
+            </a:r>
+            <a:r>
+              <a:rPr dirty="0" sz="2400" lang="en-US"/>
+              <a:t>5</a:t>
+            </a:r>
+            <a:r>
+              <a:rPr dirty="0" sz="2400" lang="en-US"/>
+              <a:t>2</a:t>
+            </a:r>
+            <a:r>
+              <a:rPr dirty="0" sz="2400" lang="en-US"/>
+              <a:t>4</a:t>
+            </a:r>
+            <a:r>
+              <a:rPr dirty="0" sz="2400" lang="en-US"/>
+              <a:t>U</a:t>
+            </a:r>
+            <a:r>
+              <a:rPr dirty="0" sz="2400" lang="en-US"/>
+              <a:t>0</a:t>
+            </a:r>
+            <a:r>
+              <a:rPr dirty="0" sz="2400" lang="en-US"/>
+              <a:t>9</a:t>
+            </a:r>
+            <a:r>
+              <a:rPr dirty="0" sz="2400" lang="en-US"/>
+              <a:t>0</a:t>
+            </a:r>
+            <a:r>
+              <a:rPr dirty="0" sz="2400" lang="en-US"/>
+              <a:t>3</a:t>
+            </a:r>
+            <a:r>
+              <a:rPr dirty="0" sz="2400" lang="en-US"/>
+              <a:t>7</a:t>
+            </a:r>
+            <a:r>
+              <a:rPr dirty="0" sz="2400" lang="en-US"/>
+              <a:t>/</a:t>
+            </a:r>
+            <a:r>
+              <a:rPr dirty="0" sz="2400" lang="en-US"/>
+              <a:t> </a:t>
             </a:r>
             <a:r>
               <a:rPr dirty="0" sz="2400" lang="en-US"/>
@@ -4073,7 +4125,7 @@
   <p:cSld>
     <p:spTree>
       <p:nvGrpSpPr>
-        <p:cNvPr id="27" name=""/>
+        <p:cNvPr id="19" name=""/>
         <p:cNvGrpSpPr/>
         <p:nvPr/>
       </p:nvGrpSpPr>
@@ -4087,7 +4139,7 @@
       </p:grpSpPr>
       <p:sp>
         <p:nvSpPr>
-          <p:cNvPr id="1048610" name="object 2"/>
+          <p:cNvPr id="1048595" name="object 2"/>
           <p:cNvSpPr/>
           <p:nvPr/>
         </p:nvSpPr>
@@ -4140,7 +4192,7 @@
       </p:sp>
       <p:grpSp>
         <p:nvGrpSpPr>
-          <p:cNvPr id="28" name="object 3"/>
+          <p:cNvPr id="20" name="object 3"/>
           <p:cNvGrpSpPr/>
           <p:nvPr/>
         </p:nvGrpSpPr>
@@ -4154,7 +4206,7 @@
         </p:grpSpPr>
         <p:sp>
           <p:nvSpPr>
-            <p:cNvPr id="1048611" name="object 4"/>
+            <p:cNvPr id="1048596" name="object 4"/>
             <p:cNvSpPr/>
             <p:nvPr/>
           </p:nvSpPr>
@@ -4191,7 +4243,7 @@
         </p:sp>
         <p:sp>
           <p:nvSpPr>
-            <p:cNvPr id="1048612" name="object 5"/>
+            <p:cNvPr id="1048597" name="object 5"/>
             <p:cNvSpPr/>
             <p:nvPr/>
           </p:nvSpPr>
@@ -4228,7 +4280,7 @@
         </p:sp>
         <p:sp>
           <p:nvSpPr>
-            <p:cNvPr id="1048613" name="object 6"/>
+            <p:cNvPr id="1048598" name="object 6"/>
             <p:cNvSpPr/>
             <p:nvPr/>
           </p:nvSpPr>
@@ -4275,7 +4327,7 @@
         </p:sp>
         <p:sp>
           <p:nvSpPr>
-            <p:cNvPr id="1048614" name="object 7"/>
+            <p:cNvPr id="1048599" name="object 7"/>
             <p:cNvSpPr/>
             <p:nvPr/>
           </p:nvSpPr>
@@ -4322,7 +4374,7 @@
         </p:sp>
         <p:sp>
           <p:nvSpPr>
-            <p:cNvPr id="1048615" name="object 8"/>
+            <p:cNvPr id="1048600" name="object 8"/>
             <p:cNvSpPr/>
             <p:nvPr/>
           </p:nvSpPr>
@@ -4366,7 +4418,7 @@
         </p:sp>
         <p:sp>
           <p:nvSpPr>
-            <p:cNvPr id="1048616" name="object 9"/>
+            <p:cNvPr id="1048601" name="object 9"/>
             <p:cNvSpPr/>
             <p:nvPr/>
           </p:nvSpPr>
@@ -4413,7 +4465,7 @@
         </p:sp>
         <p:sp>
           <p:nvSpPr>
-            <p:cNvPr id="1048617" name="object 10"/>
+            <p:cNvPr id="1048602" name="object 10"/>
             <p:cNvSpPr/>
             <p:nvPr/>
           </p:nvSpPr>
@@ -4460,7 +4512,7 @@
         </p:sp>
         <p:sp>
           <p:nvSpPr>
-            <p:cNvPr id="1048618" name="object 11"/>
+            <p:cNvPr id="1048603" name="object 11"/>
             <p:cNvSpPr/>
             <p:nvPr/>
           </p:nvSpPr>
@@ -4507,7 +4559,7 @@
         </p:sp>
         <p:sp>
           <p:nvSpPr>
-            <p:cNvPr id="1048619" name="object 12"/>
+            <p:cNvPr id="1048604" name="object 12"/>
             <p:cNvSpPr/>
             <p:nvPr/>
           </p:nvSpPr>
@@ -4552,7 +4604,7 @@
       </p:grpSp>
       <p:sp>
         <p:nvSpPr>
-          <p:cNvPr id="1048620" name="object 13"/>
+          <p:cNvPr id="1048605" name="object 13"/>
           <p:cNvSpPr/>
           <p:nvPr/>
         </p:nvSpPr>
@@ -4596,7 +4648,7 @@
       </p:sp>
       <p:sp>
         <p:nvSpPr>
-          <p:cNvPr id="1048621" name="object 14"/>
+          <p:cNvPr id="1048606" name="object 14"/>
           <p:cNvSpPr/>
           <p:nvPr/>
         </p:nvSpPr>
@@ -4641,7 +4693,7 @@
       </p:sp>
       <p:sp>
         <p:nvSpPr>
-          <p:cNvPr id="1048622" name="object 15"/>
+          <p:cNvPr id="1048607" name="object 15"/>
           <p:cNvSpPr/>
           <p:nvPr/>
         </p:nvSpPr>
@@ -4686,7 +4738,7 @@
       </p:sp>
       <p:sp>
         <p:nvSpPr>
-          <p:cNvPr id="1048623" name="object 16"/>
+          <p:cNvPr id="1048608" name="object 16"/>
           <p:cNvSpPr/>
           <p:nvPr/>
         </p:nvSpPr>
@@ -4731,7 +4783,7 @@
       </p:sp>
       <p:sp>
         <p:nvSpPr>
-          <p:cNvPr id="1048624" name="object 17"/>
+          <p:cNvPr id="1048609" name="object 17"/>
           <p:cNvSpPr txBox="1">
             <a:spLocks noGrp="1"/>
           </p:cNvSpPr>
@@ -4786,7 +4838,7 @@
       </p:sp>
       <p:grpSp>
         <p:nvGrpSpPr>
-          <p:cNvPr id="29" name="object 18"/>
+          <p:cNvPr id="21" name="object 18"/>
           <p:cNvGrpSpPr/>
           <p:nvPr/>
         </p:nvGrpSpPr>
@@ -4800,7 +4852,7 @@
         </p:grpSpPr>
         <p:pic>
           <p:nvPicPr>
-            <p:cNvPr id="2097153" name="object 19"/>
+            <p:cNvPr id="2097152" name="object 19"/>
             <p:cNvPicPr>
               <a:picLocks/>
             </p:cNvPicPr>
@@ -4822,7 +4874,7 @@
         </p:pic>
         <p:pic>
           <p:nvPicPr>
-            <p:cNvPr id="2097154" name="object 20"/>
+            <p:cNvPr id="2097153" name="object 20"/>
             <p:cNvPicPr>
               <a:picLocks/>
             </p:cNvPicPr>
@@ -4845,7 +4897,7 @@
       </p:grpSp>
       <p:sp>
         <p:nvSpPr>
-          <p:cNvPr id="1048625" name="object 22"/>
+          <p:cNvPr id="1048610" name="object 22"/>
           <p:cNvSpPr txBox="1">
             <a:spLocks noGrp="1"/>
           </p:cNvSpPr>
@@ -4883,7 +4935,7 @@
       </p:sp>
       <p:sp>
         <p:nvSpPr>
-          <p:cNvPr id="1048626" name=""/>
+          <p:cNvPr id="1048611" name=""/>
           <p:cNvSpPr txBox="1"/>
           <p:nvPr/>
         </p:nvSpPr>
@@ -5171,7 +5223,7 @@
   <p:cSld>
     <p:spTree>
       <p:nvGrpSpPr>
-        <p:cNvPr id="30" name=""/>
+        <p:cNvPr id="25" name=""/>
         <p:cNvGrpSpPr/>
         <p:nvPr/>
       </p:nvGrpSpPr>
@@ -5185,7 +5237,7 @@
       </p:grpSpPr>
       <p:sp>
         <p:nvSpPr>
-          <p:cNvPr id="1048627" name="object 2"/>
+          <p:cNvPr id="1048612" name="object 2"/>
           <p:cNvSpPr/>
           <p:nvPr/>
         </p:nvSpPr>
@@ -5232,7 +5284,7 @@
       </p:sp>
       <p:grpSp>
         <p:nvGrpSpPr>
-          <p:cNvPr id="31" name="object 3"/>
+          <p:cNvPr id="26" name="object 3"/>
           <p:cNvGrpSpPr/>
           <p:nvPr/>
         </p:nvGrpSpPr>
@@ -5246,7 +5298,7 @@
         </p:grpSpPr>
         <p:sp>
           <p:nvSpPr>
-            <p:cNvPr id="1048628" name="object 4"/>
+            <p:cNvPr id="1048613" name="object 4"/>
             <p:cNvSpPr/>
             <p:nvPr/>
           </p:nvSpPr>
@@ -5283,7 +5335,7 @@
         </p:sp>
         <p:sp>
           <p:nvSpPr>
-            <p:cNvPr id="1048629" name="object 5"/>
+            <p:cNvPr id="1048614" name="object 5"/>
             <p:cNvSpPr/>
             <p:nvPr/>
           </p:nvSpPr>
@@ -5320,7 +5372,7 @@
         </p:sp>
         <p:sp>
           <p:nvSpPr>
-            <p:cNvPr id="1048630" name="object 6"/>
+            <p:cNvPr id="1048615" name="object 6"/>
             <p:cNvSpPr/>
             <p:nvPr/>
           </p:nvSpPr>
@@ -5367,7 +5419,7 @@
         </p:sp>
         <p:sp>
           <p:nvSpPr>
-            <p:cNvPr id="1048631" name="object 7"/>
+            <p:cNvPr id="1048616" name="object 7"/>
             <p:cNvSpPr/>
             <p:nvPr/>
           </p:nvSpPr>
@@ -5414,7 +5466,7 @@
         </p:sp>
         <p:sp>
           <p:nvSpPr>
-            <p:cNvPr id="1048632" name="object 8"/>
+            <p:cNvPr id="1048617" name="object 8"/>
             <p:cNvSpPr/>
             <p:nvPr/>
           </p:nvSpPr>
@@ -5458,7 +5510,7 @@
         </p:sp>
         <p:sp>
           <p:nvSpPr>
-            <p:cNvPr id="1048633" name="object 9"/>
+            <p:cNvPr id="1048618" name="object 9"/>
             <p:cNvSpPr/>
             <p:nvPr/>
           </p:nvSpPr>
@@ -5505,7 +5557,7 @@
         </p:sp>
         <p:sp>
           <p:nvSpPr>
-            <p:cNvPr id="1048634" name="object 10"/>
+            <p:cNvPr id="1048619" name="object 10"/>
             <p:cNvSpPr/>
             <p:nvPr/>
           </p:nvSpPr>
@@ -5552,7 +5604,7 @@
         </p:sp>
         <p:sp>
           <p:nvSpPr>
-            <p:cNvPr id="1048635" name="object 11"/>
+            <p:cNvPr id="1048620" name="object 11"/>
             <p:cNvSpPr/>
             <p:nvPr/>
           </p:nvSpPr>
@@ -5599,7 +5651,7 @@
         </p:sp>
         <p:sp>
           <p:nvSpPr>
-            <p:cNvPr id="1048636" name="object 12"/>
+            <p:cNvPr id="1048621" name="object 12"/>
             <p:cNvSpPr/>
             <p:nvPr/>
           </p:nvSpPr>
@@ -5644,7 +5696,7 @@
       </p:grpSp>
       <p:sp>
         <p:nvSpPr>
-          <p:cNvPr id="1048637" name="object 13"/>
+          <p:cNvPr id="1048622" name="object 13"/>
           <p:cNvSpPr/>
           <p:nvPr/>
         </p:nvSpPr>
@@ -5688,7 +5740,7 @@
       </p:sp>
       <p:sp>
         <p:nvSpPr>
-          <p:cNvPr id="1048638" name="object 14"/>
+          <p:cNvPr id="1048623" name="object 14"/>
           <p:cNvSpPr txBox="1"/>
           <p:nvPr/>
         </p:nvSpPr>
@@ -5858,7 +5910,7 @@
       </p:sp>
       <p:sp>
         <p:nvSpPr>
-          <p:cNvPr id="1048639" name="object 15"/>
+          <p:cNvPr id="1048624" name="object 15"/>
           <p:cNvSpPr/>
           <p:nvPr/>
         </p:nvSpPr>
@@ -5963,7 +6015,7 @@
       </p:sp>
       <p:sp>
         <p:nvSpPr>
-          <p:cNvPr id="1048640" name="object 16"/>
+          <p:cNvPr id="1048625" name="object 16"/>
           <p:cNvSpPr/>
           <p:nvPr/>
         </p:nvSpPr>
@@ -6128,7 +6180,7 @@
       </p:sp>
       <p:pic>
         <p:nvPicPr>
-          <p:cNvPr id="2097155" name="object 17"/>
+          <p:cNvPr id="2097154" name="object 17"/>
           <p:cNvPicPr>
             <a:picLocks/>
           </p:cNvPicPr>
@@ -6150,7 +6202,7 @@
       </p:pic>
       <p:grpSp>
         <p:nvGrpSpPr>
-          <p:cNvPr id="32" name="object 18"/>
+          <p:cNvPr id="27" name="object 18"/>
           <p:cNvGrpSpPr/>
           <p:nvPr/>
         </p:nvGrpSpPr>
@@ -6164,7 +6216,7 @@
         </p:grpSpPr>
         <p:pic>
           <p:nvPicPr>
-            <p:cNvPr id="2097156" name="object 19"/>
+            <p:cNvPr id="2097155" name="object 19"/>
             <p:cNvPicPr>
               <a:picLocks/>
             </p:cNvPicPr>
@@ -6186,7 +6238,7 @@
         </p:pic>
         <p:pic>
           <p:nvPicPr>
-            <p:cNvPr id="2097157" name="object 20"/>
+            <p:cNvPr id="2097156" name="object 20"/>
             <p:cNvPicPr>
               <a:picLocks/>
             </p:cNvPicPr>
@@ -6209,7 +6261,7 @@
       </p:grpSp>
       <p:sp>
         <p:nvSpPr>
-          <p:cNvPr id="1048641" name="object 21"/>
+          <p:cNvPr id="1048626" name="object 21"/>
           <p:cNvSpPr txBox="1">
             <a:spLocks noGrp="1"/>
           </p:cNvSpPr>
@@ -6295,7 +6347,7 @@
       </p:sp>
       <p:sp>
         <p:nvSpPr>
-          <p:cNvPr id="1048642" name="object 22"/>
+          <p:cNvPr id="1048627" name="object 22"/>
           <p:cNvSpPr txBox="1">
             <a:spLocks noGrp="1"/>
           </p:cNvSpPr>
@@ -6333,7 +6385,7 @@
       </p:sp>
       <p:sp>
         <p:nvSpPr>
-          <p:cNvPr id="1048643" name="TextBox 22"/>
+          <p:cNvPr id="1048628" name="TextBox 22"/>
           <p:cNvSpPr txBox="1"/>
           <p:nvPr/>
         </p:nvSpPr>
